--- a/project01/센서 데이터 모니터링 시스템.pptx
+++ b/project01/센서 데이터 모니터링 시스템.pptx
@@ -3882,7 +3882,7 @@
         <p:spPr>
           <a:xfrm>
             <a:off x="3160034" y="4688326"/>
-            <a:ext cx="2989754" cy="972886"/>
+            <a:ext cx="3043542" cy="1479392"/>
           </a:xfrm>
           <a:prstGeom prst="rect">
             <a:avLst/>
@@ -3968,6 +3968,29 @@
                 <a:cs typeface="+mn-cs"/>
               </a:rPr>
               <a:t>: 20151648</a:t>
+            </a:r>
+          </a:p>
+          <a:p>
+            <a:pPr algn="l" latinLnBrk="0">
+              <a:spcAft>
+                <a:spcPts val="600"/>
+              </a:spcAft>
+            </a:pPr>
+            <a:r>
+              <a:rPr lang="ko-KR" altLang="en-US" sz="2000" dirty="0">
+                <a:latin typeface="SUIT" pitchFamily="2" charset="-127"/>
+                <a:ea typeface="SUIT" pitchFamily="2" charset="-127"/>
+                <a:cs typeface="+mn-cs"/>
+              </a:rPr>
+              <a:t>작성일 </a:t>
+            </a:r>
+            <a:r>
+              <a:rPr lang="en-US" altLang="ko-KR" sz="2000" dirty="0">
+                <a:latin typeface="SUIT" pitchFamily="2" charset="-127"/>
+                <a:ea typeface="SUIT" pitchFamily="2" charset="-127"/>
+                <a:cs typeface="+mn-cs"/>
+              </a:rPr>
+              <a:t>: 2021.06.24</a:t>
             </a:r>
           </a:p>
           <a:p>
